--- a/content/cheatsheet.pptx
+++ b/content/cheatsheet.pptx
@@ -6,6 +6,7 @@
   </p:sldMasterIdLst>
   <p:sldIdLst>
     <p:sldId id="256" r:id="rId2"/>
+    <p:sldId id="257" r:id="rId3"/>
   </p:sldIdLst>
   <p:sldSz cx="12192000" cy="6858000"/>
   <p:notesSz cx="6858000" cy="9144000"/>
@@ -3965,19 +3966,10 @@
                 </a:solidFill>
                 <a:latin typeface="inter"/>
               </a:rPr>
-              <a:t> a shocking </a:t>
-            </a:r>
-            <a:r>
-              <a:rPr lang="en-US" b="1">
-                <a:solidFill>
-                  <a:srgbClr val="000000"/>
-                </a:solidFill>
-                <a:latin typeface="inter"/>
-              </a:rPr>
-              <a:t>factoid </a:t>
-            </a:r>
-            <a:r>
-              <a:rPr lang="en-US">
+              <a:t> a shocking factoid </a:t>
+            </a:r>
+            <a:r>
+              <a:rPr lang="en-US" dirty="0">
                 <a:solidFill>
                   <a:srgbClr val="000000"/>
                 </a:solidFill>
@@ -3985,12 +3977,6 @@
               </a:rPr>
               <a:t>(“40k people die in car accidents every year...”).</a:t>
             </a:r>
-            <a:endParaRPr lang="en-US" dirty="0">
-              <a:solidFill>
-                <a:srgbClr val="000000"/>
-              </a:solidFill>
-              <a:latin typeface="inter"/>
-            </a:endParaRPr>
           </a:p>
           <a:p>
             <a:pPr marL="342900" indent="-342900">
@@ -4053,6 +4039,689 @@
     <p:extLst>
       <p:ext uri="{BB962C8B-B14F-4D97-AF65-F5344CB8AC3E}">
         <p14:creationId xmlns:p14="http://schemas.microsoft.com/office/powerpoint/2010/main" val="1716705103"/>
+      </p:ext>
+    </p:extLst>
+  </p:cSld>
+  <p:clrMapOvr>
+    <a:masterClrMapping/>
+  </p:clrMapOvr>
+</p:sld>
+</file>
+
+<file path=ppt/slides/slide2.xml><?xml version="1.0" encoding="utf-8"?>
+<p:sld xmlns:a="http://schemas.openxmlformats.org/drawingml/2006/main" xmlns:r="http://schemas.openxmlformats.org/officeDocument/2006/relationships" xmlns:p="http://schemas.openxmlformats.org/presentationml/2006/main">
+  <p:cSld>
+    <p:spTree>
+      <p:nvGrpSpPr>
+        <p:cNvPr id="1" name=""/>
+        <p:cNvGrpSpPr/>
+        <p:nvPr/>
+      </p:nvGrpSpPr>
+      <p:grpSpPr>
+        <a:xfrm>
+          <a:off x="0" y="0"/>
+          <a:ext cx="0" cy="0"/>
+          <a:chOff x="0" y="0"/>
+          <a:chExt cx="0" cy="0"/>
+        </a:xfrm>
+      </p:grpSpPr>
+      <p:sp>
+        <p:nvSpPr>
+          <p:cNvPr id="24" name="Rectangle 23">
+            <a:extLst>
+              <a:ext uri="{FF2B5EF4-FFF2-40B4-BE49-F238E27FC236}">
+                <a16:creationId xmlns:a16="http://schemas.microsoft.com/office/drawing/2014/main" id="{1C9C38DE-B9FE-3348-BA5A-BDF1D64430BB}"/>
+              </a:ext>
+            </a:extLst>
+          </p:cNvPr>
+          <p:cNvSpPr/>
+          <p:nvPr/>
+        </p:nvSpPr>
+        <p:spPr>
+          <a:xfrm>
+            <a:off x="8280336" y="97665"/>
+            <a:ext cx="3817071" cy="461665"/>
+          </a:xfrm>
+          <a:prstGeom prst="rect">
+            <a:avLst/>
+          </a:prstGeom>
+        </p:spPr>
+        <p:txBody>
+          <a:bodyPr wrap="none">
+            <a:spAutoFit/>
+          </a:bodyPr>
+          <a:lstStyle/>
+          <a:p>
+            <a:pPr algn="ctr"/>
+            <a:r>
+              <a:rPr lang="en-US" sz="2400" b="1" dirty="0">
+                <a:solidFill>
+                  <a:srgbClr val="000000"/>
+                </a:solidFill>
+                <a:latin typeface="Fira Sans Condensed Medium" panose="020B0603050000020004" pitchFamily="34" charset="0"/>
+              </a:rPr>
+              <a:t>Effective Data Visualization</a:t>
+            </a:r>
+          </a:p>
+        </p:txBody>
+      </p:sp>
+      <p:pic>
+        <p:nvPicPr>
+          <p:cNvPr id="5" name="Picture 4" descr="A close-up of arrows and circles&#10;&#10;Description automatically generated">
+            <a:extLst>
+              <a:ext uri="{FF2B5EF4-FFF2-40B4-BE49-F238E27FC236}">
+                <a16:creationId xmlns:a16="http://schemas.microsoft.com/office/drawing/2014/main" id="{B0D3E0EF-E812-D194-1FEE-014F8166E37A}"/>
+              </a:ext>
+            </a:extLst>
+          </p:cNvPr>
+          <p:cNvPicPr>
+            <a:picLocks noChangeAspect="1"/>
+          </p:cNvPicPr>
+          <p:nvPr/>
+        </p:nvPicPr>
+        <p:blipFill>
+          <a:blip r:embed="rId2"/>
+          <a:stretch>
+            <a:fillRect/>
+          </a:stretch>
+        </p:blipFill>
+        <p:spPr>
+          <a:xfrm>
+            <a:off x="195042" y="5500584"/>
+            <a:ext cx="7772400" cy="1291927"/>
+          </a:xfrm>
+          <a:prstGeom prst="rect">
+            <a:avLst/>
+          </a:prstGeom>
+        </p:spPr>
+      </p:pic>
+      <p:sp>
+        <p:nvSpPr>
+          <p:cNvPr id="10" name="Rectangle 9">
+            <a:extLst>
+              <a:ext uri="{FF2B5EF4-FFF2-40B4-BE49-F238E27FC236}">
+                <a16:creationId xmlns:a16="http://schemas.microsoft.com/office/drawing/2014/main" id="{D7C5E357-E349-B678-0462-1119DAF94562}"/>
+              </a:ext>
+            </a:extLst>
+          </p:cNvPr>
+          <p:cNvSpPr/>
+          <p:nvPr/>
+        </p:nvSpPr>
+        <p:spPr>
+          <a:xfrm>
+            <a:off x="102880" y="249731"/>
+            <a:ext cx="6006662" cy="5078313"/>
+          </a:xfrm>
+          <a:prstGeom prst="rect">
+            <a:avLst/>
+          </a:prstGeom>
+        </p:spPr>
+        <p:txBody>
+          <a:bodyPr wrap="square">
+            <a:spAutoFit/>
+          </a:bodyPr>
+          <a:lstStyle/>
+          <a:p>
+            <a:r>
+              <a:rPr lang="en-US" b="1" dirty="0">
+                <a:solidFill>
+                  <a:srgbClr val="000000"/>
+                </a:solidFill>
+                <a:latin typeface="inter"/>
+              </a:rPr>
+              <a:t>Two objectives of effective graphs</a:t>
+            </a:r>
+            <a:r>
+              <a:rPr lang="en-US" dirty="0">
+                <a:solidFill>
+                  <a:srgbClr val="000000"/>
+                </a:solidFill>
+                <a:latin typeface="inter"/>
+              </a:rPr>
+              <a:t>:</a:t>
+            </a:r>
+          </a:p>
+          <a:p>
+            <a:pPr marL="342900" indent="-342900">
+              <a:buFont typeface="+mj-lt"/>
+              <a:buAutoNum type="arabicPeriod"/>
+            </a:pPr>
+            <a:r>
+              <a:rPr lang="en-US" dirty="0">
+                <a:solidFill>
+                  <a:srgbClr val="000000"/>
+                </a:solidFill>
+                <a:latin typeface="inter"/>
+              </a:rPr>
+              <a:t>Grab &amp; direct attention (iconic memory)</a:t>
+            </a:r>
+          </a:p>
+          <a:p>
+            <a:pPr marL="342900" indent="-342900">
+              <a:buFont typeface="+mj-lt"/>
+              <a:buAutoNum type="arabicPeriod"/>
+            </a:pPr>
+            <a:r>
+              <a:rPr lang="en-US" dirty="0">
+                <a:solidFill>
+                  <a:srgbClr val="000000"/>
+                </a:solidFill>
+                <a:latin typeface="inter"/>
+              </a:rPr>
+              <a:t>Reduce processing demands (working memory)</a:t>
+            </a:r>
+          </a:p>
+          <a:p>
+            <a:pPr marL="285750" indent="-285750">
+              <a:buFont typeface="Arial" panose="020B0604020202020204" pitchFamily="34" charset="0"/>
+              <a:buChar char="•"/>
+            </a:pPr>
+            <a:endParaRPr lang="en-US" dirty="0">
+              <a:solidFill>
+                <a:srgbClr val="000000"/>
+              </a:solidFill>
+              <a:latin typeface="inter"/>
+            </a:endParaRPr>
+          </a:p>
+          <a:p>
+            <a:r>
+              <a:rPr lang="en-US" b="1" dirty="0">
+                <a:solidFill>
+                  <a:srgbClr val="000000"/>
+                </a:solidFill>
+                <a:latin typeface="inter"/>
+              </a:rPr>
+              <a:t>Graph components</a:t>
+            </a:r>
+            <a:r>
+              <a:rPr lang="en-US" dirty="0">
+                <a:solidFill>
+                  <a:srgbClr val="000000"/>
+                </a:solidFill>
+                <a:latin typeface="inter"/>
+              </a:rPr>
+              <a:t>: </a:t>
+            </a:r>
+          </a:p>
+          <a:p>
+            <a:pPr marL="342900" indent="-342900">
+              <a:buFont typeface="+mj-lt"/>
+              <a:buAutoNum type="arabicPeriod"/>
+            </a:pPr>
+            <a:r>
+              <a:rPr lang="en-US" dirty="0" err="1">
+                <a:solidFill>
+                  <a:srgbClr val="000000"/>
+                </a:solidFill>
+                <a:latin typeface="inter"/>
+              </a:rPr>
+              <a:t>Geoms</a:t>
+            </a:r>
+            <a:r>
+              <a:rPr lang="en-US" dirty="0">
+                <a:solidFill>
+                  <a:srgbClr val="000000"/>
+                </a:solidFill>
+                <a:latin typeface="inter"/>
+              </a:rPr>
+              <a:t>: points, lines, boxes, bars, etc.</a:t>
+            </a:r>
+          </a:p>
+          <a:p>
+            <a:pPr marL="342900" indent="-342900">
+              <a:buFont typeface="+mj-lt"/>
+              <a:buAutoNum type="arabicPeriod"/>
+            </a:pPr>
+            <a:r>
+              <a:rPr lang="en-US" dirty="0">
+                <a:solidFill>
+                  <a:srgbClr val="000000"/>
+                </a:solidFill>
+                <a:latin typeface="inter"/>
+              </a:rPr>
+              <a:t>Pre-attentive attributes: position, color, shape, curvature.</a:t>
+            </a:r>
+          </a:p>
+          <a:p>
+            <a:pPr marL="342900" indent="-342900">
+              <a:buFont typeface="+mj-lt"/>
+              <a:buAutoNum type="arabicPeriod"/>
+            </a:pPr>
+            <a:r>
+              <a:rPr lang="en-US" dirty="0">
+                <a:solidFill>
+                  <a:srgbClr val="000000"/>
+                </a:solidFill>
+                <a:latin typeface="inter"/>
+              </a:rPr>
+              <a:t>Non-data ink: scales, grid lines, legend, labels, etc.</a:t>
+            </a:r>
+          </a:p>
+          <a:p>
+            <a:pPr marL="342900" indent="-342900">
+              <a:buFont typeface="+mj-lt"/>
+              <a:buAutoNum type="arabicPeriod"/>
+            </a:pPr>
+            <a:r>
+              <a:rPr lang="en-US" dirty="0">
+                <a:solidFill>
+                  <a:srgbClr val="000000"/>
+                </a:solidFill>
+                <a:latin typeface="inter"/>
+              </a:rPr>
+              <a:t>No chart junk.</a:t>
+            </a:r>
+          </a:p>
+          <a:p>
+            <a:pPr marL="285750" indent="-285750">
+              <a:buFont typeface="Arial" panose="020B0604020202020204" pitchFamily="34" charset="0"/>
+              <a:buChar char="•"/>
+            </a:pPr>
+            <a:endParaRPr lang="en-US" dirty="0">
+              <a:solidFill>
+                <a:srgbClr val="000000"/>
+              </a:solidFill>
+              <a:latin typeface="inter"/>
+            </a:endParaRPr>
+          </a:p>
+          <a:p>
+            <a:r>
+              <a:rPr lang="en-US" b="1" dirty="0">
+                <a:solidFill>
+                  <a:srgbClr val="000000"/>
+                </a:solidFill>
+                <a:latin typeface="inter"/>
+              </a:rPr>
+              <a:t>Cleveland’s pattern recognition hierarchy</a:t>
+            </a:r>
+            <a:r>
+              <a:rPr lang="en-US" dirty="0">
+                <a:solidFill>
+                  <a:srgbClr val="000000"/>
+                </a:solidFill>
+                <a:latin typeface="inter"/>
+              </a:rPr>
+              <a:t>: </a:t>
+            </a:r>
+          </a:p>
+          <a:p>
+            <a:pPr marL="342900" indent="-342900">
+              <a:buFont typeface="+mj-lt"/>
+              <a:buAutoNum type="arabicPeriod"/>
+            </a:pPr>
+            <a:r>
+              <a:rPr lang="en-US" dirty="0">
+                <a:solidFill>
+                  <a:srgbClr val="000000"/>
+                </a:solidFill>
+                <a:latin typeface="inter"/>
+              </a:rPr>
+              <a:t>Position on a common scale (best)</a:t>
+            </a:r>
+          </a:p>
+          <a:p>
+            <a:pPr marL="342900" indent="-342900">
+              <a:buFont typeface="+mj-lt"/>
+              <a:buAutoNum type="arabicPeriod"/>
+            </a:pPr>
+            <a:r>
+              <a:rPr lang="en-US" dirty="0">
+                <a:solidFill>
+                  <a:srgbClr val="000000"/>
+                </a:solidFill>
+                <a:latin typeface="inter"/>
+              </a:rPr>
+              <a:t>Position on non-aligned scales</a:t>
+            </a:r>
+          </a:p>
+          <a:p>
+            <a:pPr marL="342900" indent="-342900">
+              <a:buFont typeface="+mj-lt"/>
+              <a:buAutoNum type="arabicPeriod"/>
+            </a:pPr>
+            <a:r>
+              <a:rPr lang="en-US" dirty="0">
+                <a:solidFill>
+                  <a:srgbClr val="000000"/>
+                </a:solidFill>
+                <a:latin typeface="inter"/>
+              </a:rPr>
+              <a:t>Length</a:t>
+            </a:r>
+          </a:p>
+          <a:p>
+            <a:pPr marL="342900" indent="-342900">
+              <a:buFont typeface="+mj-lt"/>
+              <a:buAutoNum type="arabicPeriod"/>
+            </a:pPr>
+            <a:r>
+              <a:rPr lang="en-US" dirty="0">
+                <a:solidFill>
+                  <a:srgbClr val="000000"/>
+                </a:solidFill>
+                <a:latin typeface="inter"/>
+              </a:rPr>
+              <a:t>Angle</a:t>
+            </a:r>
+          </a:p>
+          <a:p>
+            <a:pPr marL="342900" indent="-342900">
+              <a:buFont typeface="+mj-lt"/>
+              <a:buAutoNum type="arabicPeriod"/>
+            </a:pPr>
+            <a:r>
+              <a:rPr lang="en-US" dirty="0">
+                <a:solidFill>
+                  <a:srgbClr val="000000"/>
+                </a:solidFill>
+                <a:latin typeface="inter"/>
+              </a:rPr>
+              <a:t>Area</a:t>
+            </a:r>
+          </a:p>
+          <a:p>
+            <a:pPr marL="342900" indent="-342900">
+              <a:buFont typeface="+mj-lt"/>
+              <a:buAutoNum type="arabicPeriod"/>
+            </a:pPr>
+            <a:r>
+              <a:rPr lang="en-US" dirty="0">
+                <a:solidFill>
+                  <a:srgbClr val="000000"/>
+                </a:solidFill>
+                <a:latin typeface="inter"/>
+              </a:rPr>
+              <a:t>Color saturation </a:t>
+            </a:r>
+          </a:p>
+          <a:p>
+            <a:pPr marL="342900" indent="-342900">
+              <a:buFont typeface="+mj-lt"/>
+              <a:buAutoNum type="arabicPeriod"/>
+            </a:pPr>
+            <a:r>
+              <a:rPr lang="en-US" dirty="0">
+                <a:solidFill>
+                  <a:srgbClr val="000000"/>
+                </a:solidFill>
+                <a:latin typeface="inter"/>
+              </a:rPr>
+              <a:t>Color hue (worst) </a:t>
+            </a:r>
+          </a:p>
+        </p:txBody>
+      </p:sp>
+      <p:sp>
+        <p:nvSpPr>
+          <p:cNvPr id="12" name="Rectangle 11">
+            <a:extLst>
+              <a:ext uri="{FF2B5EF4-FFF2-40B4-BE49-F238E27FC236}">
+                <a16:creationId xmlns:a16="http://schemas.microsoft.com/office/drawing/2014/main" id="{238E3CEF-C4E1-20B4-706B-E48F17D2B015}"/>
+              </a:ext>
+            </a:extLst>
+          </p:cNvPr>
+          <p:cNvSpPr/>
+          <p:nvPr/>
+        </p:nvSpPr>
+        <p:spPr>
+          <a:xfrm>
+            <a:off x="6109542" y="443291"/>
+            <a:ext cx="5383923" cy="5078313"/>
+          </a:xfrm>
+          <a:prstGeom prst="rect">
+            <a:avLst/>
+          </a:prstGeom>
+        </p:spPr>
+        <p:txBody>
+          <a:bodyPr wrap="square">
+            <a:spAutoFit/>
+          </a:bodyPr>
+          <a:lstStyle/>
+          <a:p>
+            <a:r>
+              <a:rPr lang="en-US" b="1" dirty="0">
+                <a:solidFill>
+                  <a:srgbClr val="000000"/>
+                </a:solidFill>
+                <a:latin typeface="inter"/>
+              </a:rPr>
+              <a:t>Data Viz Don'ts</a:t>
+            </a:r>
+          </a:p>
+          <a:p>
+            <a:endParaRPr lang="en-US" dirty="0">
+              <a:solidFill>
+                <a:srgbClr val="000000"/>
+              </a:solidFill>
+              <a:latin typeface="inter"/>
+            </a:endParaRPr>
+          </a:p>
+          <a:p>
+            <a:pPr marL="342900" indent="-342900">
+              <a:buFont typeface="+mj-lt"/>
+              <a:buAutoNum type="arabicPeriod"/>
+            </a:pPr>
+            <a:r>
+              <a:rPr lang="en-US" dirty="0">
+                <a:solidFill>
+                  <a:srgbClr val="000000"/>
+                </a:solidFill>
+                <a:latin typeface="inter"/>
+              </a:rPr>
+              <a:t>Don't use chart junk</a:t>
+            </a:r>
+          </a:p>
+          <a:p>
+            <a:pPr marL="342900" indent="-342900">
+              <a:buFont typeface="+mj-lt"/>
+              <a:buAutoNum type="arabicPeriod"/>
+            </a:pPr>
+            <a:r>
+              <a:rPr lang="en-US" dirty="0">
+                <a:solidFill>
+                  <a:srgbClr val="000000"/>
+                </a:solidFill>
+                <a:latin typeface="inter"/>
+              </a:rPr>
+              <a:t>Don't make 3D plots</a:t>
+            </a:r>
+          </a:p>
+          <a:p>
+            <a:pPr marL="342900" indent="-342900">
+              <a:buFont typeface="+mj-lt"/>
+              <a:buAutoNum type="arabicPeriod"/>
+            </a:pPr>
+            <a:r>
+              <a:rPr lang="en-US" dirty="0">
+                <a:solidFill>
+                  <a:srgbClr val="000000"/>
+                </a:solidFill>
+                <a:latin typeface="inter"/>
+              </a:rPr>
+              <a:t>Don't use pattern fills</a:t>
+            </a:r>
+          </a:p>
+          <a:p>
+            <a:pPr marL="342900" indent="-342900">
+              <a:buFont typeface="+mj-lt"/>
+              <a:buAutoNum type="arabicPeriod"/>
+            </a:pPr>
+            <a:r>
+              <a:rPr lang="en-US" dirty="0">
+                <a:solidFill>
+                  <a:srgbClr val="000000"/>
+                </a:solidFill>
+                <a:latin typeface="inter"/>
+              </a:rPr>
+              <a:t>Don't use red &amp; green together</a:t>
+            </a:r>
+          </a:p>
+          <a:p>
+            <a:pPr marL="342900" indent="-342900">
+              <a:buFont typeface="+mj-lt"/>
+              <a:buAutoNum type="arabicPeriod"/>
+            </a:pPr>
+            <a:r>
+              <a:rPr lang="en-US" dirty="0">
+                <a:solidFill>
+                  <a:srgbClr val="000000"/>
+                </a:solidFill>
+                <a:latin typeface="inter"/>
+              </a:rPr>
+              <a:t>Don't lie:</a:t>
+            </a:r>
+          </a:p>
+          <a:p>
+            <a:pPr marL="800100" lvl="1" indent="-342900">
+              <a:buFont typeface="Arial" panose="020B0604020202020204" pitchFamily="34" charset="0"/>
+              <a:buChar char="•"/>
+            </a:pPr>
+            <a:r>
+              <a:rPr lang="en-US" dirty="0">
+                <a:solidFill>
+                  <a:srgbClr val="000000"/>
+                </a:solidFill>
+                <a:latin typeface="inter"/>
+              </a:rPr>
+              <a:t>Start bar charts at 0</a:t>
+            </a:r>
+          </a:p>
+          <a:p>
+            <a:pPr marL="800100" lvl="1" indent="-342900">
+              <a:buFont typeface="Arial" panose="020B0604020202020204" pitchFamily="34" charset="0"/>
+              <a:buChar char="•"/>
+            </a:pPr>
+            <a:r>
+              <a:rPr lang="en-US" dirty="0">
+                <a:solidFill>
+                  <a:srgbClr val="000000"/>
+                </a:solidFill>
+                <a:latin typeface="inter"/>
+              </a:rPr>
+              <a:t>Don’t cherry pick your data</a:t>
+            </a:r>
+          </a:p>
+          <a:p>
+            <a:pPr lvl="1"/>
+            <a:endParaRPr lang="en-US" dirty="0">
+              <a:solidFill>
+                <a:srgbClr val="000000"/>
+              </a:solidFill>
+              <a:latin typeface="inter"/>
+            </a:endParaRPr>
+          </a:p>
+          <a:p>
+            <a:r>
+              <a:rPr lang="en-US" b="1" dirty="0">
+                <a:solidFill>
+                  <a:srgbClr val="000000"/>
+                </a:solidFill>
+                <a:latin typeface="inter"/>
+              </a:rPr>
+              <a:t>Data Viz Do’s</a:t>
+            </a:r>
+          </a:p>
+          <a:p>
+            <a:endParaRPr lang="en-US" dirty="0">
+              <a:solidFill>
+                <a:srgbClr val="000000"/>
+              </a:solidFill>
+              <a:latin typeface="inter"/>
+            </a:endParaRPr>
+          </a:p>
+          <a:p>
+            <a:pPr marL="342900" indent="-342900">
+              <a:buFont typeface="+mj-lt"/>
+              <a:buAutoNum type="arabicPeriod"/>
+            </a:pPr>
+            <a:r>
+              <a:rPr lang="en-US" dirty="0">
+                <a:solidFill>
+                  <a:srgbClr val="000000"/>
+                </a:solidFill>
+                <a:latin typeface="inter"/>
+              </a:rPr>
+              <a:t>Annotate your charts</a:t>
+            </a:r>
+          </a:p>
+          <a:p>
+            <a:pPr marL="342900" indent="-342900">
+              <a:buFont typeface="+mj-lt"/>
+              <a:buAutoNum type="arabicPeriod"/>
+            </a:pPr>
+            <a:r>
+              <a:rPr lang="en-US" dirty="0">
+                <a:solidFill>
+                  <a:srgbClr val="000000"/>
+                </a:solidFill>
+                <a:latin typeface="inter"/>
+              </a:rPr>
+              <a:t>Eliminate legends</a:t>
+            </a:r>
+          </a:p>
+          <a:p>
+            <a:pPr marL="342900" indent="-342900">
+              <a:buFont typeface="+mj-lt"/>
+              <a:buAutoNum type="arabicPeriod"/>
+            </a:pPr>
+            <a:r>
+              <a:rPr lang="en-US" dirty="0">
+                <a:solidFill>
+                  <a:srgbClr val="000000"/>
+                </a:solidFill>
+                <a:latin typeface="inter"/>
+              </a:rPr>
+              <a:t>Show amounts with bars, dots, and lollipops</a:t>
+            </a:r>
+          </a:p>
+          <a:p>
+            <a:pPr marL="342900" indent="-342900">
+              <a:buFont typeface="+mj-lt"/>
+              <a:buAutoNum type="arabicPeriod"/>
+            </a:pPr>
+            <a:r>
+              <a:rPr lang="en-US" dirty="0">
+                <a:solidFill>
+                  <a:srgbClr val="000000"/>
+                </a:solidFill>
+                <a:latin typeface="inter"/>
+              </a:rPr>
+              <a:t>Show proportions with bars and waffles (not pies)</a:t>
+            </a:r>
+          </a:p>
+          <a:p>
+            <a:pPr marL="342900" indent="-342900">
+              <a:buFont typeface="+mj-lt"/>
+              <a:buAutoNum type="arabicPeriod"/>
+            </a:pPr>
+            <a:r>
+              <a:rPr lang="en-US" dirty="0">
+                <a:solidFill>
+                  <a:srgbClr val="000000"/>
+                </a:solidFill>
+                <a:latin typeface="inter"/>
+              </a:rPr>
+              <a:t>Show trends with lines, bars, and heatmaps</a:t>
+            </a:r>
+          </a:p>
+          <a:p>
+            <a:pPr marL="800100" lvl="1" indent="-342900">
+              <a:buFont typeface="Arial" panose="020B0604020202020204" pitchFamily="34" charset="0"/>
+              <a:buChar char="•"/>
+            </a:pPr>
+            <a:endParaRPr lang="en-US" dirty="0">
+              <a:solidFill>
+                <a:srgbClr val="000000"/>
+              </a:solidFill>
+              <a:latin typeface="inter"/>
+            </a:endParaRPr>
+          </a:p>
+        </p:txBody>
+      </p:sp>
+    </p:spTree>
+    <p:extLst>
+      <p:ext uri="{BB962C8B-B14F-4D97-AF65-F5344CB8AC3E}">
+        <p14:creationId xmlns:p14="http://schemas.microsoft.com/office/powerpoint/2010/main" val="2961483435"/>
       </p:ext>
     </p:extLst>
   </p:cSld>
